--- a/FINAL PPT.pptx
+++ b/FINAL PPT.pptx
@@ -135,7 +135,7 @@
   </p:defaultTextStyle>
   <p:extLst>
     <p:ext uri="{EFAFB233-063F-42B5-8137-9DF3F51BA10A}">
-      <p15:sldGuideLst xmlns="" xmlns:p15="http://schemas.microsoft.com/office/powerpoint/2012/main">
+      <p15:sldGuideLst xmlns:p15="http://schemas.microsoft.com/office/powerpoint/2012/main">
         <p15:guide id="1" orient="horz" pos="2160">
           <p15:clr>
             <a:srgbClr val="A4A3A4"/>
@@ -157,7 +157,7 @@
   <p:cmAuthor id="1" name="vasundharaperalam@gmail.com" initials="v" lastIdx="1" clrIdx="0">
     <p:extLst>
       <p:ext uri="{19B8F6BF-5375-455C-9EA6-DF929625EA0E}">
-        <p15:presenceInfo xmlns="" xmlns:p15="http://schemas.microsoft.com/office/powerpoint/2012/main" userId="04affed321ce700e" providerId="Windows Live"/>
+        <p15:presenceInfo xmlns:p15="http://schemas.microsoft.com/office/powerpoint/2012/main" userId="04affed321ce700e" providerId="Windows Live"/>
       </p:ext>
     </p:extLst>
   </p:cmAuthor>
@@ -247,7 +247,7 @@
             <a:fld id="{B078BAC6-31EA-4B2E-8F58-76C0B071B605}" type="datetimeFigureOut">
               <a:rPr lang="en-IN" smtClean="0"/>
               <a:pPr/>
-              <a:t>24-05-2022</a:t>
+              <a:t>25-05-2022</a:t>
             </a:fld>
             <a:endParaRPr lang="en-IN"/>
           </a:p>
@@ -416,7 +416,7 @@
     </p:spTree>
     <p:extLst>
       <p:ext uri="{BB962C8B-B14F-4D97-AF65-F5344CB8AC3E}">
-        <p14:creationId xmlns="" xmlns:p14="http://schemas.microsoft.com/office/powerpoint/2010/main" val="772576035"/>
+        <p14:creationId xmlns:p14="http://schemas.microsoft.com/office/powerpoint/2010/main" val="772576035"/>
       </p:ext>
     </p:extLst>
   </p:cSld>
@@ -591,7 +591,7 @@
     </p:spTree>
     <p:extLst>
       <p:ext uri="{BB962C8B-B14F-4D97-AF65-F5344CB8AC3E}">
-        <p14:creationId xmlns="" xmlns:p14="http://schemas.microsoft.com/office/powerpoint/2010/main" val="3253185742"/>
+        <p14:creationId xmlns:p14="http://schemas.microsoft.com/office/powerpoint/2010/main" val="3253185742"/>
       </p:ext>
     </p:extLst>
   </p:cSld>
@@ -1299,7 +1299,7 @@
             <a:fld id="{1D8BD707-D9CF-40AE-B4C6-C98DA3205C09}" type="datetimeFigureOut">
               <a:rPr lang="en-US" smtClean="0"/>
               <a:pPr/>
-              <a:t>5/24/2022</a:t>
+              <a:t>5/25/2022</a:t>
             </a:fld>
             <a:endParaRPr lang="en-US"/>
           </a:p>
@@ -1490,7 +1490,7 @@
             <a:fld id="{1D8BD707-D9CF-40AE-B4C6-C98DA3205C09}" type="datetimeFigureOut">
               <a:rPr lang="en-US" smtClean="0"/>
               <a:pPr/>
-              <a:t>5/24/2022</a:t>
+              <a:t>5/25/2022</a:t>
             </a:fld>
             <a:endParaRPr lang="en-US"/>
           </a:p>
@@ -1666,7 +1666,7 @@
             <a:fld id="{1D8BD707-D9CF-40AE-B4C6-C98DA3205C09}" type="datetimeFigureOut">
               <a:rPr lang="en-US" smtClean="0"/>
               <a:pPr/>
-              <a:t>5/24/2022</a:t>
+              <a:t>5/25/2022</a:t>
             </a:fld>
             <a:endParaRPr lang="en-US"/>
           </a:p>
@@ -1810,7 +1810,7 @@
             <a:fld id="{1D8BD707-D9CF-40AE-B4C6-C98DA3205C09}" type="datetimeFigureOut">
               <a:rPr lang="en-US" smtClean="0"/>
               <a:pPr/>
-              <a:t>5/24/2022</a:t>
+              <a:t>5/25/2022</a:t>
             </a:fld>
             <a:endParaRPr lang="en-US"/>
           </a:p>
@@ -2057,7 +2057,7 @@
             <a:fld id="{1D8BD707-D9CF-40AE-B4C6-C98DA3205C09}" type="datetimeFigureOut">
               <a:rPr lang="en-US" smtClean="0"/>
               <a:pPr/>
-              <a:t>5/24/2022</a:t>
+              <a:t>5/25/2022</a:t>
             </a:fld>
             <a:endParaRPr lang="en-US"/>
           </a:p>
@@ -2458,7 +2458,7 @@
             <a:fld id="{1D8BD707-D9CF-40AE-B4C6-C98DA3205C09}" type="datetimeFigureOut">
               <a:rPr lang="en-US" smtClean="0"/>
               <a:pPr/>
-              <a:t>5/24/2022</a:t>
+              <a:t>5/25/2022</a:t>
             </a:fld>
             <a:endParaRPr lang="en-US"/>
           </a:p>
@@ -2896,7 +2896,7 @@
             <a:fld id="{1D8BD707-D9CF-40AE-B4C6-C98DA3205C09}" type="datetimeFigureOut">
               <a:rPr lang="en-US" smtClean="0"/>
               <a:pPr/>
-              <a:t>5/24/2022</a:t>
+              <a:t>5/25/2022</a:t>
             </a:fld>
             <a:endParaRPr lang="en-US"/>
           </a:p>
@@ -2993,7 +2993,7 @@
             <a:fld id="{1D8BD707-D9CF-40AE-B4C6-C98DA3205C09}" type="datetimeFigureOut">
               <a:rPr lang="en-US" smtClean="0"/>
               <a:pPr/>
-              <a:t>5/24/2022</a:t>
+              <a:t>5/25/2022</a:t>
             </a:fld>
             <a:endParaRPr lang="en-US"/>
           </a:p>
@@ -3107,7 +3107,7 @@
             <a:fld id="{1D8BD707-D9CF-40AE-B4C6-C98DA3205C09}" type="datetimeFigureOut">
               <a:rPr lang="en-US" smtClean="0"/>
               <a:pPr/>
-              <a:t>5/24/2022</a:t>
+              <a:t>5/25/2022</a:t>
             </a:fld>
             <a:endParaRPr lang="en-US"/>
           </a:p>
@@ -3376,7 +3376,7 @@
             <a:fld id="{1D8BD707-D9CF-40AE-B4C6-C98DA3205C09}" type="datetimeFigureOut">
               <a:rPr lang="en-US" smtClean="0"/>
               <a:pPr/>
-              <a:t>5/24/2022</a:t>
+              <a:t>5/25/2022</a:t>
             </a:fld>
             <a:endParaRPr lang="en-US"/>
           </a:p>
@@ -3579,7 +3579,7 @@
             <a:fld id="{1D8BD707-D9CF-40AE-B4C6-C98DA3205C09}" type="datetimeFigureOut">
               <a:rPr lang="en-US" smtClean="0"/>
               <a:pPr/>
-              <a:t>5/24/2022</a:t>
+              <a:t>5/25/2022</a:t>
             </a:fld>
             <a:endParaRPr lang="en-US"/>
           </a:p>
@@ -4667,7 +4667,7 @@
             <a:fld id="{1D8BD707-D9CF-40AE-B4C6-C98DA3205C09}" type="datetimeFigureOut">
               <a:rPr lang="en-US" smtClean="0"/>
               <a:pPr/>
-              <a:t>5/24/2022</a:t>
+              <a:t>5/25/2022</a:t>
             </a:fld>
             <a:endParaRPr lang="en-US"/>
           </a:p>
@@ -5158,43 +5158,29 @@
               <a:t>VASUNDHARA G- 211418104305                                                         </a:t>
             </a:r>
             <a:r>
-              <a:rPr lang="en-US" sz="1800" dirty="0" err="1" smtClean="0">
+              <a:rPr lang="en-US" sz="1800" dirty="0" err="1">
                 <a:latin typeface="Times New Roman" panose="02020603050405020304" pitchFamily="18" charset="0"/>
                 <a:cs typeface="Times New Roman" panose="02020603050405020304" pitchFamily="18" charset="0"/>
               </a:rPr>
-              <a:t>Mrs.D.JENNIFER</a:t>
-            </a:r>
-            <a:r>
-              <a:rPr lang="en-US" sz="1800" dirty="0" smtClean="0">
-                <a:latin typeface="Times New Roman" panose="02020603050405020304" pitchFamily="18" charset="0"/>
-                <a:cs typeface="Times New Roman" panose="02020603050405020304" pitchFamily="18" charset="0"/>
-              </a:rPr>
-              <a:t>                                             </a:t>
+              <a:t>Mrs.JENNIFER</a:t>
             </a:r>
             <a:r>
               <a:rPr lang="en-US" sz="1800" dirty="0">
                 <a:latin typeface="Times New Roman" panose="02020603050405020304" pitchFamily="18" charset="0"/>
                 <a:cs typeface="Times New Roman" panose="02020603050405020304" pitchFamily="18" charset="0"/>
               </a:rPr>
-              <a:t>GNANADEEPAM  B-211418104065</a:t>
+              <a:t>                                             GNANADEEPAM  B-211418104065</a:t>
             </a:r>
             <a:r>
               <a:rPr lang="en-US" sz="1800" dirty="0"/>
               <a:t>                                         </a:t>
-            </a:r>
-            <a:r>
-              <a:rPr lang="en-US" sz="1800" dirty="0" smtClean="0">
-                <a:latin typeface="Times New Roman" panose="02020603050405020304" pitchFamily="18" charset="0"/>
-                <a:cs typeface="Times New Roman" panose="02020603050405020304" pitchFamily="18" charset="0"/>
-              </a:rPr>
-              <a:t>Assistant </a:t>
             </a:r>
             <a:r>
               <a:rPr lang="en-US" sz="1800" dirty="0">
                 <a:latin typeface="Times New Roman" panose="02020603050405020304" pitchFamily="18" charset="0"/>
                 <a:cs typeface="Times New Roman" panose="02020603050405020304" pitchFamily="18" charset="0"/>
               </a:rPr>
-              <a:t>Professor</a:t>
+              <a:t>Associate Professor</a:t>
             </a:r>
           </a:p>
         </p:txBody>
@@ -5202,7 +5188,7 @@
     </p:spTree>
     <p:extLst>
       <p:ext uri="{BB962C8B-B14F-4D97-AF65-F5344CB8AC3E}">
-        <p14:creationId xmlns="" xmlns:p14="http://schemas.microsoft.com/office/powerpoint/2010/main" val="318443626"/>
+        <p14:creationId xmlns:p14="http://schemas.microsoft.com/office/powerpoint/2010/main" val="318443626"/>
       </p:ext>
     </p:extLst>
   </p:cSld>
@@ -5234,7 +5220,7 @@
           <p:cNvPr id="4" name="TextBox 3">
             <a:extLst>
               <a:ext uri="{FF2B5EF4-FFF2-40B4-BE49-F238E27FC236}">
-                <a16:creationId xmlns="" xmlns:a16="http://schemas.microsoft.com/office/drawing/2014/main" id="{4B59F403-C8EF-A64E-A471-A7B5218629F8}"/>
+                <a16:creationId xmlns:a16="http://schemas.microsoft.com/office/drawing/2014/main" id="{4B59F403-C8EF-A64E-A471-A7B5218629F8}"/>
               </a:ext>
             </a:extLst>
           </p:cNvPr>
@@ -5271,7 +5257,7 @@
           <p:cNvPr id="5" name="Picture 5">
             <a:extLst>
               <a:ext uri="{FF2B5EF4-FFF2-40B4-BE49-F238E27FC236}">
-                <a16:creationId xmlns="" xmlns:a16="http://schemas.microsoft.com/office/drawing/2014/main" id="{D4473B40-BD7F-EB45-861D-778F1EF378AE}"/>
+                <a16:creationId xmlns:a16="http://schemas.microsoft.com/office/drawing/2014/main" id="{D4473B40-BD7F-EB45-861D-778F1EF378AE}"/>
               </a:ext>
             </a:extLst>
           </p:cNvPr>
@@ -5284,7 +5270,7 @@
           <a:blip r:embed="rId2">
             <a:extLst>
               <a:ext uri="{28A0092B-C50C-407E-A947-70E740481C1C}">
-                <a14:useLocalDpi xmlns="" xmlns:a14="http://schemas.microsoft.com/office/drawing/2010/main" val="0"/>
+                <a14:useLocalDpi xmlns:a14="http://schemas.microsoft.com/office/drawing/2010/main" val="0"/>
               </a:ext>
             </a:extLst>
           </a:blip>
@@ -5305,7 +5291,7 @@
     </p:spTree>
     <p:extLst>
       <p:ext uri="{BB962C8B-B14F-4D97-AF65-F5344CB8AC3E}">
-        <p14:creationId xmlns="" xmlns:p14="http://schemas.microsoft.com/office/powerpoint/2010/main" val="819141371"/>
+        <p14:creationId xmlns:p14="http://schemas.microsoft.com/office/powerpoint/2010/main" val="819141371"/>
       </p:ext>
     </p:extLst>
   </p:cSld>
@@ -5337,7 +5323,7 @@
           <p:cNvPr id="4" name="TextBox 3">
             <a:extLst>
               <a:ext uri="{FF2B5EF4-FFF2-40B4-BE49-F238E27FC236}">
-                <a16:creationId xmlns="" xmlns:a16="http://schemas.microsoft.com/office/drawing/2014/main" id="{E4ECB88C-F3AC-0242-963B-FF3E742DBABE}"/>
+                <a16:creationId xmlns:a16="http://schemas.microsoft.com/office/drawing/2014/main" id="{E4ECB88C-F3AC-0242-963B-FF3E742DBABE}"/>
               </a:ext>
             </a:extLst>
           </p:cNvPr>
@@ -5378,7 +5364,7 @@
           <p:cNvPr id="5" name="Picture 5">
             <a:extLst>
               <a:ext uri="{FF2B5EF4-FFF2-40B4-BE49-F238E27FC236}">
-                <a16:creationId xmlns="" xmlns:a16="http://schemas.microsoft.com/office/drawing/2014/main" id="{A8779098-E25D-F545-8AF9-65AA8AF70880}"/>
+                <a16:creationId xmlns:a16="http://schemas.microsoft.com/office/drawing/2014/main" id="{A8779098-E25D-F545-8AF9-65AA8AF70880}"/>
               </a:ext>
             </a:extLst>
           </p:cNvPr>
@@ -5391,7 +5377,7 @@
           <a:blip r:embed="rId2">
             <a:extLst>
               <a:ext uri="{28A0092B-C50C-407E-A947-70E740481C1C}">
-                <a14:useLocalDpi xmlns="" xmlns:a14="http://schemas.microsoft.com/office/drawing/2010/main" val="0"/>
+                <a14:useLocalDpi xmlns:a14="http://schemas.microsoft.com/office/drawing/2010/main" val="0"/>
               </a:ext>
             </a:extLst>
           </a:blip>
@@ -5412,7 +5398,7 @@
     </p:spTree>
     <p:extLst>
       <p:ext uri="{BB962C8B-B14F-4D97-AF65-F5344CB8AC3E}">
-        <p14:creationId xmlns="" xmlns:p14="http://schemas.microsoft.com/office/powerpoint/2010/main" val="1289143319"/>
+        <p14:creationId xmlns:p14="http://schemas.microsoft.com/office/powerpoint/2010/main" val="1289143319"/>
       </p:ext>
     </p:extLst>
   </p:cSld>
@@ -5444,7 +5430,7 @@
           <p:cNvPr id="2" name="Content Placeholder 1">
             <a:extLst>
               <a:ext uri="{FF2B5EF4-FFF2-40B4-BE49-F238E27FC236}">
-                <a16:creationId xmlns="" xmlns:a16="http://schemas.microsoft.com/office/drawing/2014/main" id="{E5D772EF-8637-4A2D-B16F-82FBFD0F1396}"/>
+                <a16:creationId xmlns:a16="http://schemas.microsoft.com/office/drawing/2014/main" id="{E5D772EF-8637-4A2D-B16F-82FBFD0F1396}"/>
               </a:ext>
             </a:extLst>
           </p:cNvPr>
@@ -5517,7 +5503,7 @@
           <p:cNvPr id="5" name="TextBox 4">
             <a:extLst>
               <a:ext uri="{FF2B5EF4-FFF2-40B4-BE49-F238E27FC236}">
-                <a16:creationId xmlns="" xmlns:a16="http://schemas.microsoft.com/office/drawing/2014/main" id="{AC2D21AF-E283-FC48-B1D5-C4357B577EF0}"/>
+                <a16:creationId xmlns:a16="http://schemas.microsoft.com/office/drawing/2014/main" id="{AC2D21AF-E283-FC48-B1D5-C4357B577EF0}"/>
               </a:ext>
             </a:extLst>
           </p:cNvPr>
@@ -5552,7 +5538,7 @@
     </p:spTree>
     <p:extLst>
       <p:ext uri="{BB962C8B-B14F-4D97-AF65-F5344CB8AC3E}">
-        <p14:creationId xmlns="" xmlns:p14="http://schemas.microsoft.com/office/powerpoint/2010/main" val="890588581"/>
+        <p14:creationId xmlns:p14="http://schemas.microsoft.com/office/powerpoint/2010/main" val="890588581"/>
       </p:ext>
     </p:extLst>
   </p:cSld>
@@ -5584,7 +5570,7 @@
           <p:cNvPr id="3" name="TextBox 2">
             <a:extLst>
               <a:ext uri="{FF2B5EF4-FFF2-40B4-BE49-F238E27FC236}">
-                <a16:creationId xmlns="" xmlns:a16="http://schemas.microsoft.com/office/drawing/2014/main" id="{720846CD-4C24-6647-AA11-B22637344E1F}"/>
+                <a16:creationId xmlns:a16="http://schemas.microsoft.com/office/drawing/2014/main" id="{720846CD-4C24-6647-AA11-B22637344E1F}"/>
               </a:ext>
             </a:extLst>
           </p:cNvPr>
@@ -5621,7 +5607,7 @@
           <p:cNvPr id="5" name="TextBox 4">
             <a:extLst>
               <a:ext uri="{FF2B5EF4-FFF2-40B4-BE49-F238E27FC236}">
-                <a16:creationId xmlns="" xmlns:a16="http://schemas.microsoft.com/office/drawing/2014/main" id="{BC275FD3-FDB6-6249-93AA-9BCD877E8D12}"/>
+                <a16:creationId xmlns:a16="http://schemas.microsoft.com/office/drawing/2014/main" id="{BC275FD3-FDB6-6249-93AA-9BCD877E8D12}"/>
               </a:ext>
             </a:extLst>
           </p:cNvPr>
@@ -5667,7 +5653,7 @@
           <p:cNvPr id="7" name="TextBox 6">
             <a:extLst>
               <a:ext uri="{FF2B5EF4-FFF2-40B4-BE49-F238E27FC236}">
-                <a16:creationId xmlns="" xmlns:a16="http://schemas.microsoft.com/office/drawing/2014/main" id="{86434200-C29C-7E49-B536-8CFA316F5DE8}"/>
+                <a16:creationId xmlns:a16="http://schemas.microsoft.com/office/drawing/2014/main" id="{86434200-C29C-7E49-B536-8CFA316F5DE8}"/>
               </a:ext>
             </a:extLst>
           </p:cNvPr>
@@ -5709,7 +5695,7 @@
           <p:cNvPr id="9" name="TextBox 8">
             <a:extLst>
               <a:ext uri="{FF2B5EF4-FFF2-40B4-BE49-F238E27FC236}">
-                <a16:creationId xmlns="" xmlns:a16="http://schemas.microsoft.com/office/drawing/2014/main" id="{12822BB5-5EE8-994F-9278-4FA5BBE8C870}"/>
+                <a16:creationId xmlns:a16="http://schemas.microsoft.com/office/drawing/2014/main" id="{12822BB5-5EE8-994F-9278-4FA5BBE8C870}"/>
               </a:ext>
             </a:extLst>
           </p:cNvPr>
@@ -5755,7 +5741,7 @@
           <p:cNvPr id="11" name="TextBox 10">
             <a:extLst>
               <a:ext uri="{FF2B5EF4-FFF2-40B4-BE49-F238E27FC236}">
-                <a16:creationId xmlns="" xmlns:a16="http://schemas.microsoft.com/office/drawing/2014/main" id="{9EFB9B8A-B974-9641-9FA3-56C95D186346}"/>
+                <a16:creationId xmlns:a16="http://schemas.microsoft.com/office/drawing/2014/main" id="{9EFB9B8A-B974-9641-9FA3-56C95D186346}"/>
               </a:ext>
             </a:extLst>
           </p:cNvPr>
@@ -5802,7 +5788,7 @@
     </p:spTree>
     <p:extLst>
       <p:ext uri="{BB962C8B-B14F-4D97-AF65-F5344CB8AC3E}">
-        <p14:creationId xmlns="" xmlns:p14="http://schemas.microsoft.com/office/powerpoint/2010/main" val="3961607496"/>
+        <p14:creationId xmlns:p14="http://schemas.microsoft.com/office/powerpoint/2010/main" val="3961607496"/>
       </p:ext>
     </p:extLst>
   </p:cSld>
@@ -5834,7 +5820,7 @@
           <p:cNvPr id="3" name="TextBox 2">
             <a:extLst>
               <a:ext uri="{FF2B5EF4-FFF2-40B4-BE49-F238E27FC236}">
-                <a16:creationId xmlns="" xmlns:a16="http://schemas.microsoft.com/office/drawing/2014/main" id="{E885EB40-45B3-CA4B-8F0C-AF61AC1A50C5}"/>
+                <a16:creationId xmlns:a16="http://schemas.microsoft.com/office/drawing/2014/main" id="{E885EB40-45B3-CA4B-8F0C-AF61AC1A50C5}"/>
               </a:ext>
             </a:extLst>
           </p:cNvPr>
@@ -5871,7 +5857,7 @@
           <p:cNvPr id="5" name="TextBox 4">
             <a:extLst>
               <a:ext uri="{FF2B5EF4-FFF2-40B4-BE49-F238E27FC236}">
-                <a16:creationId xmlns="" xmlns:a16="http://schemas.microsoft.com/office/drawing/2014/main" id="{A4A16D80-70C8-3F41-B65A-6F1411F2FD50}"/>
+                <a16:creationId xmlns:a16="http://schemas.microsoft.com/office/drawing/2014/main" id="{A4A16D80-70C8-3F41-B65A-6F1411F2FD50}"/>
               </a:ext>
             </a:extLst>
           </p:cNvPr>
@@ -5917,7 +5903,7 @@
           <p:cNvPr id="7" name="TextBox 6">
             <a:extLst>
               <a:ext uri="{FF2B5EF4-FFF2-40B4-BE49-F238E27FC236}">
-                <a16:creationId xmlns="" xmlns:a16="http://schemas.microsoft.com/office/drawing/2014/main" id="{68A989AB-FAC5-6945-B8D3-4290AE94A53E}"/>
+                <a16:creationId xmlns:a16="http://schemas.microsoft.com/office/drawing/2014/main" id="{68A989AB-FAC5-6945-B8D3-4290AE94A53E}"/>
               </a:ext>
             </a:extLst>
           </p:cNvPr>
@@ -5959,7 +5945,7 @@
           <p:cNvPr id="9" name="TextBox 8">
             <a:extLst>
               <a:ext uri="{FF2B5EF4-FFF2-40B4-BE49-F238E27FC236}">
-                <a16:creationId xmlns="" xmlns:a16="http://schemas.microsoft.com/office/drawing/2014/main" id="{090CE044-EB4E-9A45-935D-112ED33C6FEC}"/>
+                <a16:creationId xmlns:a16="http://schemas.microsoft.com/office/drawing/2014/main" id="{090CE044-EB4E-9A45-935D-112ED33C6FEC}"/>
               </a:ext>
             </a:extLst>
           </p:cNvPr>
@@ -6001,7 +5987,7 @@
           <p:cNvPr id="11" name="TextBox 10">
             <a:extLst>
               <a:ext uri="{FF2B5EF4-FFF2-40B4-BE49-F238E27FC236}">
-                <a16:creationId xmlns="" xmlns:a16="http://schemas.microsoft.com/office/drawing/2014/main" id="{769F19B1-E0EC-7648-957B-7AEE99645435}"/>
+                <a16:creationId xmlns:a16="http://schemas.microsoft.com/office/drawing/2014/main" id="{769F19B1-E0EC-7648-957B-7AEE99645435}"/>
               </a:ext>
             </a:extLst>
           </p:cNvPr>
@@ -6041,7 +6027,7 @@
     </p:spTree>
     <p:extLst>
       <p:ext uri="{BB962C8B-B14F-4D97-AF65-F5344CB8AC3E}">
-        <p14:creationId xmlns="" xmlns:p14="http://schemas.microsoft.com/office/powerpoint/2010/main" val="2683065861"/>
+        <p14:creationId xmlns:p14="http://schemas.microsoft.com/office/powerpoint/2010/main" val="2683065861"/>
       </p:ext>
     </p:extLst>
   </p:cSld>
@@ -6073,7 +6059,7 @@
           <p:cNvPr id="3" name="TextBox 2">
             <a:extLst>
               <a:ext uri="{FF2B5EF4-FFF2-40B4-BE49-F238E27FC236}">
-                <a16:creationId xmlns="" xmlns:a16="http://schemas.microsoft.com/office/drawing/2014/main" id="{23D22020-4B37-084C-B22F-374A30F9C993}"/>
+                <a16:creationId xmlns:a16="http://schemas.microsoft.com/office/drawing/2014/main" id="{23D22020-4B37-084C-B22F-374A30F9C993}"/>
               </a:ext>
             </a:extLst>
           </p:cNvPr>
@@ -6110,7 +6096,7 @@
           <p:cNvPr id="5" name="TextBox 4">
             <a:extLst>
               <a:ext uri="{FF2B5EF4-FFF2-40B4-BE49-F238E27FC236}">
-                <a16:creationId xmlns="" xmlns:a16="http://schemas.microsoft.com/office/drawing/2014/main" id="{39459087-44F9-FF4D-8D1F-B3229E117410}"/>
+                <a16:creationId xmlns:a16="http://schemas.microsoft.com/office/drawing/2014/main" id="{39459087-44F9-FF4D-8D1F-B3229E117410}"/>
               </a:ext>
             </a:extLst>
           </p:cNvPr>
@@ -6152,7 +6138,7 @@
           <p:cNvPr id="7" name="TextBox 6">
             <a:extLst>
               <a:ext uri="{FF2B5EF4-FFF2-40B4-BE49-F238E27FC236}">
-                <a16:creationId xmlns="" xmlns:a16="http://schemas.microsoft.com/office/drawing/2014/main" id="{1E3E8923-D6F2-684C-9C18-1CD88D2C031C}"/>
+                <a16:creationId xmlns:a16="http://schemas.microsoft.com/office/drawing/2014/main" id="{1E3E8923-D6F2-684C-9C18-1CD88D2C031C}"/>
               </a:ext>
             </a:extLst>
           </p:cNvPr>
@@ -6198,7 +6184,7 @@
           <p:cNvPr id="9" name="TextBox 8">
             <a:extLst>
               <a:ext uri="{FF2B5EF4-FFF2-40B4-BE49-F238E27FC236}">
-                <a16:creationId xmlns="" xmlns:a16="http://schemas.microsoft.com/office/drawing/2014/main" id="{515E8C5F-6B8D-7E46-AABE-6BC7781574DA}"/>
+                <a16:creationId xmlns:a16="http://schemas.microsoft.com/office/drawing/2014/main" id="{515E8C5F-6B8D-7E46-AABE-6BC7781574DA}"/>
               </a:ext>
             </a:extLst>
           </p:cNvPr>
@@ -6244,7 +6230,7 @@
           <p:cNvPr id="11" name="TextBox 10">
             <a:extLst>
               <a:ext uri="{FF2B5EF4-FFF2-40B4-BE49-F238E27FC236}">
-                <a16:creationId xmlns="" xmlns:a16="http://schemas.microsoft.com/office/drawing/2014/main" id="{6E0BED62-14D3-6049-A11A-317F79AAB755}"/>
+                <a16:creationId xmlns:a16="http://schemas.microsoft.com/office/drawing/2014/main" id="{6E0BED62-14D3-6049-A11A-317F79AAB755}"/>
               </a:ext>
             </a:extLst>
           </p:cNvPr>
@@ -6284,7 +6270,7 @@
     </p:spTree>
     <p:extLst>
       <p:ext uri="{BB962C8B-B14F-4D97-AF65-F5344CB8AC3E}">
-        <p14:creationId xmlns="" xmlns:p14="http://schemas.microsoft.com/office/powerpoint/2010/main" val="315386785"/>
+        <p14:creationId xmlns:p14="http://schemas.microsoft.com/office/powerpoint/2010/main" val="315386785"/>
       </p:ext>
     </p:extLst>
   </p:cSld>
@@ -6316,7 +6302,7 @@
           <p:cNvPr id="3" name="TextBox 2">
             <a:extLst>
               <a:ext uri="{FF2B5EF4-FFF2-40B4-BE49-F238E27FC236}">
-                <a16:creationId xmlns="" xmlns:a16="http://schemas.microsoft.com/office/drawing/2014/main" id="{30A6D827-9458-6F41-A0EF-D3DB9B39EA3A}"/>
+                <a16:creationId xmlns:a16="http://schemas.microsoft.com/office/drawing/2014/main" id="{30A6D827-9458-6F41-A0EF-D3DB9B39EA3A}"/>
               </a:ext>
             </a:extLst>
           </p:cNvPr>
@@ -6353,7 +6339,7 @@
           <p:cNvPr id="5" name="TextBox 4">
             <a:extLst>
               <a:ext uri="{FF2B5EF4-FFF2-40B4-BE49-F238E27FC236}">
-                <a16:creationId xmlns="" xmlns:a16="http://schemas.microsoft.com/office/drawing/2014/main" id="{BA90F4DB-7458-BA4C-8A4F-72A300B8A1BB}"/>
+                <a16:creationId xmlns:a16="http://schemas.microsoft.com/office/drawing/2014/main" id="{BA90F4DB-7458-BA4C-8A4F-72A300B8A1BB}"/>
               </a:ext>
             </a:extLst>
           </p:cNvPr>
@@ -6395,7 +6381,7 @@
           <p:cNvPr id="7" name="TextBox 6">
             <a:extLst>
               <a:ext uri="{FF2B5EF4-FFF2-40B4-BE49-F238E27FC236}">
-                <a16:creationId xmlns="" xmlns:a16="http://schemas.microsoft.com/office/drawing/2014/main" id="{EFFA1DA7-EDA7-314C-A560-45CD664C479B}"/>
+                <a16:creationId xmlns:a16="http://schemas.microsoft.com/office/drawing/2014/main" id="{EFFA1DA7-EDA7-314C-A560-45CD664C479B}"/>
               </a:ext>
             </a:extLst>
           </p:cNvPr>
@@ -6437,7 +6423,7 @@
           <p:cNvPr id="9" name="TextBox 8">
             <a:extLst>
               <a:ext uri="{FF2B5EF4-FFF2-40B4-BE49-F238E27FC236}">
-                <a16:creationId xmlns="" xmlns:a16="http://schemas.microsoft.com/office/drawing/2014/main" id="{6A91439D-B36F-B944-8DE5-28686859F959}"/>
+                <a16:creationId xmlns:a16="http://schemas.microsoft.com/office/drawing/2014/main" id="{6A91439D-B36F-B944-8DE5-28686859F959}"/>
               </a:ext>
             </a:extLst>
           </p:cNvPr>
@@ -6479,7 +6465,7 @@
           <p:cNvPr id="2" name="TextBox 1">
             <a:extLst>
               <a:ext uri="{FF2B5EF4-FFF2-40B4-BE49-F238E27FC236}">
-                <a16:creationId xmlns="" xmlns:a16="http://schemas.microsoft.com/office/drawing/2014/main" id="{84D84CD4-F48C-1942-A67C-5A6B20F876E3}"/>
+                <a16:creationId xmlns:a16="http://schemas.microsoft.com/office/drawing/2014/main" id="{84D84CD4-F48C-1942-A67C-5A6B20F876E3}"/>
               </a:ext>
             </a:extLst>
           </p:cNvPr>
@@ -6528,7 +6514,7 @@
           <p:cNvPr id="4" name="TextBox 3">
             <a:extLst>
               <a:ext uri="{FF2B5EF4-FFF2-40B4-BE49-F238E27FC236}">
-                <a16:creationId xmlns="" xmlns:a16="http://schemas.microsoft.com/office/drawing/2014/main" id="{E8CC36C3-9F31-C749-AC33-63BD3D473675}"/>
+                <a16:creationId xmlns:a16="http://schemas.microsoft.com/office/drawing/2014/main" id="{E8CC36C3-9F31-C749-AC33-63BD3D473675}"/>
               </a:ext>
             </a:extLst>
           </p:cNvPr>
@@ -6570,7 +6556,7 @@
           <p:cNvPr id="6" name="TextBox 5">
             <a:extLst>
               <a:ext uri="{FF2B5EF4-FFF2-40B4-BE49-F238E27FC236}">
-                <a16:creationId xmlns="" xmlns:a16="http://schemas.microsoft.com/office/drawing/2014/main" id="{026EF097-0138-884F-A08A-D69F587AA95B}"/>
+                <a16:creationId xmlns:a16="http://schemas.microsoft.com/office/drawing/2014/main" id="{026EF097-0138-884F-A08A-D69F587AA95B}"/>
               </a:ext>
             </a:extLst>
           </p:cNvPr>
@@ -6612,7 +6598,7 @@
           <p:cNvPr id="15" name="TextBox 14">
             <a:extLst>
               <a:ext uri="{FF2B5EF4-FFF2-40B4-BE49-F238E27FC236}">
-                <a16:creationId xmlns="" xmlns:a16="http://schemas.microsoft.com/office/drawing/2014/main" id="{002E0AB4-3709-BA4E-B11B-51856882D3E2}"/>
+                <a16:creationId xmlns:a16="http://schemas.microsoft.com/office/drawing/2014/main" id="{002E0AB4-3709-BA4E-B11B-51856882D3E2}"/>
               </a:ext>
             </a:extLst>
           </p:cNvPr>
@@ -6654,7 +6640,7 @@
           <p:cNvPr id="17" name="TextBox 16">
             <a:extLst>
               <a:ext uri="{FF2B5EF4-FFF2-40B4-BE49-F238E27FC236}">
-                <a16:creationId xmlns="" xmlns:a16="http://schemas.microsoft.com/office/drawing/2014/main" id="{2B07CD5E-AD21-BF42-B073-3098959D488B}"/>
+                <a16:creationId xmlns:a16="http://schemas.microsoft.com/office/drawing/2014/main" id="{2B07CD5E-AD21-BF42-B073-3098959D488B}"/>
               </a:ext>
             </a:extLst>
           </p:cNvPr>
@@ -6696,7 +6682,7 @@
           <p:cNvPr id="19" name="TextBox 18">
             <a:extLst>
               <a:ext uri="{FF2B5EF4-FFF2-40B4-BE49-F238E27FC236}">
-                <a16:creationId xmlns="" xmlns:a16="http://schemas.microsoft.com/office/drawing/2014/main" id="{DEA34D06-215C-404B-990A-8B3F027D6875}"/>
+                <a16:creationId xmlns:a16="http://schemas.microsoft.com/office/drawing/2014/main" id="{DEA34D06-215C-404B-990A-8B3F027D6875}"/>
               </a:ext>
             </a:extLst>
           </p:cNvPr>
@@ -6743,7 +6729,7 @@
     </p:spTree>
     <p:extLst>
       <p:ext uri="{BB962C8B-B14F-4D97-AF65-F5344CB8AC3E}">
-        <p14:creationId xmlns="" xmlns:p14="http://schemas.microsoft.com/office/powerpoint/2010/main" val="4271402594"/>
+        <p14:creationId xmlns:p14="http://schemas.microsoft.com/office/powerpoint/2010/main" val="4271402594"/>
       </p:ext>
     </p:extLst>
   </p:cSld>
@@ -6775,7 +6761,7 @@
           <p:cNvPr id="3" name="TextBox 2">
             <a:extLst>
               <a:ext uri="{FF2B5EF4-FFF2-40B4-BE49-F238E27FC236}">
-                <a16:creationId xmlns="" xmlns:a16="http://schemas.microsoft.com/office/drawing/2014/main" id="{1FA836C7-39B0-D542-9281-3176D1400FC5}"/>
+                <a16:creationId xmlns:a16="http://schemas.microsoft.com/office/drawing/2014/main" id="{1FA836C7-39B0-D542-9281-3176D1400FC5}"/>
               </a:ext>
             </a:extLst>
           </p:cNvPr>
@@ -6812,7 +6798,7 @@
           <p:cNvPr id="5" name="TextBox 4">
             <a:extLst>
               <a:ext uri="{FF2B5EF4-FFF2-40B4-BE49-F238E27FC236}">
-                <a16:creationId xmlns="" xmlns:a16="http://schemas.microsoft.com/office/drawing/2014/main" id="{14443254-DAB1-B04E-869A-529F090A4AE6}"/>
+                <a16:creationId xmlns:a16="http://schemas.microsoft.com/office/drawing/2014/main" id="{14443254-DAB1-B04E-869A-529F090A4AE6}"/>
               </a:ext>
             </a:extLst>
           </p:cNvPr>
@@ -6849,7 +6835,7 @@
           <p:cNvPr id="7" name="TextBox 6">
             <a:extLst>
               <a:ext uri="{FF2B5EF4-FFF2-40B4-BE49-F238E27FC236}">
-                <a16:creationId xmlns="" xmlns:a16="http://schemas.microsoft.com/office/drawing/2014/main" id="{89216975-814D-9546-98DD-1E8A6EE6BA80}"/>
+                <a16:creationId xmlns:a16="http://schemas.microsoft.com/office/drawing/2014/main" id="{89216975-814D-9546-98DD-1E8A6EE6BA80}"/>
               </a:ext>
             </a:extLst>
           </p:cNvPr>
@@ -6898,7 +6884,7 @@
           <p:cNvPr id="9" name="TextBox 8">
             <a:extLst>
               <a:ext uri="{FF2B5EF4-FFF2-40B4-BE49-F238E27FC236}">
-                <a16:creationId xmlns="" xmlns:a16="http://schemas.microsoft.com/office/drawing/2014/main" id="{861130ED-2421-C641-BA8D-3516CA461C63}"/>
+                <a16:creationId xmlns:a16="http://schemas.microsoft.com/office/drawing/2014/main" id="{861130ED-2421-C641-BA8D-3516CA461C63}"/>
               </a:ext>
             </a:extLst>
           </p:cNvPr>
@@ -6940,7 +6926,7 @@
           <p:cNvPr id="11" name="TextBox 10">
             <a:extLst>
               <a:ext uri="{FF2B5EF4-FFF2-40B4-BE49-F238E27FC236}">
-                <a16:creationId xmlns="" xmlns:a16="http://schemas.microsoft.com/office/drawing/2014/main" id="{8A0964BB-FD11-E54E-93F1-3E37DD2306BC}"/>
+                <a16:creationId xmlns:a16="http://schemas.microsoft.com/office/drawing/2014/main" id="{8A0964BB-FD11-E54E-93F1-3E37DD2306BC}"/>
               </a:ext>
             </a:extLst>
           </p:cNvPr>
@@ -6982,7 +6968,7 @@
           <p:cNvPr id="13" name="TextBox 12">
             <a:extLst>
               <a:ext uri="{FF2B5EF4-FFF2-40B4-BE49-F238E27FC236}">
-                <a16:creationId xmlns="" xmlns:a16="http://schemas.microsoft.com/office/drawing/2014/main" id="{42ADAD36-7D2E-3C49-BDB7-78DE76D0EE3D}"/>
+                <a16:creationId xmlns:a16="http://schemas.microsoft.com/office/drawing/2014/main" id="{42ADAD36-7D2E-3C49-BDB7-78DE76D0EE3D}"/>
               </a:ext>
             </a:extLst>
           </p:cNvPr>
@@ -7024,7 +7010,7 @@
           <p:cNvPr id="15" name="TextBox 14">
             <a:extLst>
               <a:ext uri="{FF2B5EF4-FFF2-40B4-BE49-F238E27FC236}">
-                <a16:creationId xmlns="" xmlns:a16="http://schemas.microsoft.com/office/drawing/2014/main" id="{AA4EEA78-8608-5643-861F-BEE9A61D53B3}"/>
+                <a16:creationId xmlns:a16="http://schemas.microsoft.com/office/drawing/2014/main" id="{AA4EEA78-8608-5643-861F-BEE9A61D53B3}"/>
               </a:ext>
             </a:extLst>
           </p:cNvPr>
@@ -7073,7 +7059,7 @@
           <p:cNvPr id="17" name="TextBox 16">
             <a:extLst>
               <a:ext uri="{FF2B5EF4-FFF2-40B4-BE49-F238E27FC236}">
-                <a16:creationId xmlns="" xmlns:a16="http://schemas.microsoft.com/office/drawing/2014/main" id="{B433D46B-847F-8948-812A-DB5617D30E42}"/>
+                <a16:creationId xmlns:a16="http://schemas.microsoft.com/office/drawing/2014/main" id="{B433D46B-847F-8948-812A-DB5617D30E42}"/>
               </a:ext>
             </a:extLst>
           </p:cNvPr>
@@ -7122,7 +7108,7 @@
           <p:cNvPr id="4" name="TextBox 3">
             <a:extLst>
               <a:ext uri="{FF2B5EF4-FFF2-40B4-BE49-F238E27FC236}">
-                <a16:creationId xmlns="" xmlns:a16="http://schemas.microsoft.com/office/drawing/2014/main" id="{F59B825F-FBE1-A344-B732-480BCA1B9C1B}"/>
+                <a16:creationId xmlns:a16="http://schemas.microsoft.com/office/drawing/2014/main" id="{F59B825F-FBE1-A344-B732-480BCA1B9C1B}"/>
               </a:ext>
             </a:extLst>
           </p:cNvPr>
@@ -7162,7 +7148,7 @@
     </p:spTree>
     <p:extLst>
       <p:ext uri="{BB962C8B-B14F-4D97-AF65-F5344CB8AC3E}">
-        <p14:creationId xmlns="" xmlns:p14="http://schemas.microsoft.com/office/powerpoint/2010/main" val="3719535323"/>
+        <p14:creationId xmlns:p14="http://schemas.microsoft.com/office/powerpoint/2010/main" val="3719535323"/>
       </p:ext>
     </p:extLst>
   </p:cSld>
@@ -7194,7 +7180,7 @@
           <p:cNvPr id="3" name="TextBox 2">
             <a:extLst>
               <a:ext uri="{FF2B5EF4-FFF2-40B4-BE49-F238E27FC236}">
-                <a16:creationId xmlns="" xmlns:a16="http://schemas.microsoft.com/office/drawing/2014/main" id="{4147A3C7-050E-CE46-B122-8160D5C51C26}"/>
+                <a16:creationId xmlns:a16="http://schemas.microsoft.com/office/drawing/2014/main" id="{4147A3C7-050E-CE46-B122-8160D5C51C26}"/>
               </a:ext>
             </a:extLst>
           </p:cNvPr>
@@ -7231,7 +7217,7 @@
           <p:cNvPr id="5" name="TextBox 4">
             <a:extLst>
               <a:ext uri="{FF2B5EF4-FFF2-40B4-BE49-F238E27FC236}">
-                <a16:creationId xmlns="" xmlns:a16="http://schemas.microsoft.com/office/drawing/2014/main" id="{63465817-C495-6C4D-8EE5-69ED90791B22}"/>
+                <a16:creationId xmlns:a16="http://schemas.microsoft.com/office/drawing/2014/main" id="{63465817-C495-6C4D-8EE5-69ED90791B22}"/>
               </a:ext>
             </a:extLst>
           </p:cNvPr>
@@ -7273,7 +7259,7 @@
           <p:cNvPr id="7" name="TextBox 6">
             <a:extLst>
               <a:ext uri="{FF2B5EF4-FFF2-40B4-BE49-F238E27FC236}">
-                <a16:creationId xmlns="" xmlns:a16="http://schemas.microsoft.com/office/drawing/2014/main" id="{28345F82-A078-3D41-A399-2E2F395F4D90}"/>
+                <a16:creationId xmlns:a16="http://schemas.microsoft.com/office/drawing/2014/main" id="{28345F82-A078-3D41-A399-2E2F395F4D90}"/>
               </a:ext>
             </a:extLst>
           </p:cNvPr>
@@ -7315,7 +7301,7 @@
           <p:cNvPr id="11" name="TextBox 10">
             <a:extLst>
               <a:ext uri="{FF2B5EF4-FFF2-40B4-BE49-F238E27FC236}">
-                <a16:creationId xmlns="" xmlns:a16="http://schemas.microsoft.com/office/drawing/2014/main" id="{7721D8CC-855E-3041-AD49-54815F5A703D}"/>
+                <a16:creationId xmlns:a16="http://schemas.microsoft.com/office/drawing/2014/main" id="{7721D8CC-855E-3041-AD49-54815F5A703D}"/>
               </a:ext>
             </a:extLst>
           </p:cNvPr>
@@ -7357,7 +7343,7 @@
           <p:cNvPr id="13" name="TextBox 12">
             <a:extLst>
               <a:ext uri="{FF2B5EF4-FFF2-40B4-BE49-F238E27FC236}">
-                <a16:creationId xmlns="" xmlns:a16="http://schemas.microsoft.com/office/drawing/2014/main" id="{3D430A55-D1D0-B542-B875-429684CD4139}"/>
+                <a16:creationId xmlns:a16="http://schemas.microsoft.com/office/drawing/2014/main" id="{3D430A55-D1D0-B542-B875-429684CD4139}"/>
               </a:ext>
             </a:extLst>
           </p:cNvPr>
@@ -7399,7 +7385,7 @@
           <p:cNvPr id="15" name="TextBox 14">
             <a:extLst>
               <a:ext uri="{FF2B5EF4-FFF2-40B4-BE49-F238E27FC236}">
-                <a16:creationId xmlns="" xmlns:a16="http://schemas.microsoft.com/office/drawing/2014/main" id="{875191BE-C3ED-AD4C-9B20-10CE00AFCC48}"/>
+                <a16:creationId xmlns:a16="http://schemas.microsoft.com/office/drawing/2014/main" id="{875191BE-C3ED-AD4C-9B20-10CE00AFCC48}"/>
               </a:ext>
             </a:extLst>
           </p:cNvPr>
@@ -7441,7 +7427,7 @@
           <p:cNvPr id="17" name="TextBox 16">
             <a:extLst>
               <a:ext uri="{FF2B5EF4-FFF2-40B4-BE49-F238E27FC236}">
-                <a16:creationId xmlns="" xmlns:a16="http://schemas.microsoft.com/office/drawing/2014/main" id="{B3EAC50A-6E40-2C48-A29C-CBB658457927}"/>
+                <a16:creationId xmlns:a16="http://schemas.microsoft.com/office/drawing/2014/main" id="{B3EAC50A-6E40-2C48-A29C-CBB658457927}"/>
               </a:ext>
             </a:extLst>
           </p:cNvPr>
@@ -7483,7 +7469,7 @@
           <p:cNvPr id="2" name="TextBox 1">
             <a:extLst>
               <a:ext uri="{FF2B5EF4-FFF2-40B4-BE49-F238E27FC236}">
-                <a16:creationId xmlns="" xmlns:a16="http://schemas.microsoft.com/office/drawing/2014/main" id="{266096B5-4EF5-514B-A8D9-DFABEA39D12B}"/>
+                <a16:creationId xmlns:a16="http://schemas.microsoft.com/office/drawing/2014/main" id="{266096B5-4EF5-514B-A8D9-DFABEA39D12B}"/>
               </a:ext>
             </a:extLst>
           </p:cNvPr>
@@ -7525,7 +7511,7 @@
           <p:cNvPr id="4" name="TextBox 3">
             <a:extLst>
               <a:ext uri="{FF2B5EF4-FFF2-40B4-BE49-F238E27FC236}">
-                <a16:creationId xmlns="" xmlns:a16="http://schemas.microsoft.com/office/drawing/2014/main" id="{930EE769-E744-BC4D-B752-8E29B5B229C6}"/>
+                <a16:creationId xmlns:a16="http://schemas.microsoft.com/office/drawing/2014/main" id="{930EE769-E744-BC4D-B752-8E29B5B229C6}"/>
               </a:ext>
             </a:extLst>
           </p:cNvPr>
@@ -7572,7 +7558,7 @@
     </p:spTree>
     <p:extLst>
       <p:ext uri="{BB962C8B-B14F-4D97-AF65-F5344CB8AC3E}">
-        <p14:creationId xmlns="" xmlns:p14="http://schemas.microsoft.com/office/powerpoint/2010/main" val="3884249303"/>
+        <p14:creationId xmlns:p14="http://schemas.microsoft.com/office/powerpoint/2010/main" val="3884249303"/>
       </p:ext>
     </p:extLst>
   </p:cSld>
@@ -7604,7 +7590,7 @@
           <p:cNvPr id="3" name="TextBox 2">
             <a:extLst>
               <a:ext uri="{FF2B5EF4-FFF2-40B4-BE49-F238E27FC236}">
-                <a16:creationId xmlns="" xmlns:a16="http://schemas.microsoft.com/office/drawing/2014/main" id="{7ED5E248-3FBC-0C44-8E49-7828E7026468}"/>
+                <a16:creationId xmlns:a16="http://schemas.microsoft.com/office/drawing/2014/main" id="{7ED5E248-3FBC-0C44-8E49-7828E7026468}"/>
               </a:ext>
             </a:extLst>
           </p:cNvPr>
@@ -7641,7 +7627,7 @@
           <p:cNvPr id="5" name="TextBox 4">
             <a:extLst>
               <a:ext uri="{FF2B5EF4-FFF2-40B4-BE49-F238E27FC236}">
-                <a16:creationId xmlns="" xmlns:a16="http://schemas.microsoft.com/office/drawing/2014/main" id="{E4003BCD-1E2C-C140-AFB1-B00339A5C2E6}"/>
+                <a16:creationId xmlns:a16="http://schemas.microsoft.com/office/drawing/2014/main" id="{E4003BCD-1E2C-C140-AFB1-B00339A5C2E6}"/>
               </a:ext>
             </a:extLst>
           </p:cNvPr>
@@ -7690,7 +7676,7 @@
           <p:cNvPr id="7" name="TextBox 6">
             <a:extLst>
               <a:ext uri="{FF2B5EF4-FFF2-40B4-BE49-F238E27FC236}">
-                <a16:creationId xmlns="" xmlns:a16="http://schemas.microsoft.com/office/drawing/2014/main" id="{33EEF131-3E1A-C34D-967F-686910A8924B}"/>
+                <a16:creationId xmlns:a16="http://schemas.microsoft.com/office/drawing/2014/main" id="{33EEF131-3E1A-C34D-967F-686910A8924B}"/>
               </a:ext>
             </a:extLst>
           </p:cNvPr>
@@ -7736,7 +7722,7 @@
           <p:cNvPr id="9" name="TextBox 8">
             <a:extLst>
               <a:ext uri="{FF2B5EF4-FFF2-40B4-BE49-F238E27FC236}">
-                <a16:creationId xmlns="" xmlns:a16="http://schemas.microsoft.com/office/drawing/2014/main" id="{12B0F638-22D9-6646-8D57-3F83A0612F32}"/>
+                <a16:creationId xmlns:a16="http://schemas.microsoft.com/office/drawing/2014/main" id="{12B0F638-22D9-6646-8D57-3F83A0612F32}"/>
               </a:ext>
             </a:extLst>
           </p:cNvPr>
@@ -7785,7 +7771,7 @@
           <p:cNvPr id="11" name="TextBox 10">
             <a:extLst>
               <a:ext uri="{FF2B5EF4-FFF2-40B4-BE49-F238E27FC236}">
-                <a16:creationId xmlns="" xmlns:a16="http://schemas.microsoft.com/office/drawing/2014/main" id="{D0C3637B-DCEB-454F-9D4A-7FD12572DD62}"/>
+                <a16:creationId xmlns:a16="http://schemas.microsoft.com/office/drawing/2014/main" id="{D0C3637B-DCEB-454F-9D4A-7FD12572DD62}"/>
               </a:ext>
             </a:extLst>
           </p:cNvPr>
@@ -7827,7 +7813,7 @@
           <p:cNvPr id="13" name="TextBox 12">
             <a:extLst>
               <a:ext uri="{FF2B5EF4-FFF2-40B4-BE49-F238E27FC236}">
-                <a16:creationId xmlns="" xmlns:a16="http://schemas.microsoft.com/office/drawing/2014/main" id="{D6B7FBEC-2FE9-AE4A-B060-B55E0067E3E9}"/>
+                <a16:creationId xmlns:a16="http://schemas.microsoft.com/office/drawing/2014/main" id="{D6B7FBEC-2FE9-AE4A-B060-B55E0067E3E9}"/>
               </a:ext>
             </a:extLst>
           </p:cNvPr>
@@ -7869,7 +7855,7 @@
           <p:cNvPr id="15" name="TextBox 14">
             <a:extLst>
               <a:ext uri="{FF2B5EF4-FFF2-40B4-BE49-F238E27FC236}">
-                <a16:creationId xmlns="" xmlns:a16="http://schemas.microsoft.com/office/drawing/2014/main" id="{EC98EF59-C88C-8042-9E84-1F3CED8D525A}"/>
+                <a16:creationId xmlns:a16="http://schemas.microsoft.com/office/drawing/2014/main" id="{EC98EF59-C88C-8042-9E84-1F3CED8D525A}"/>
               </a:ext>
             </a:extLst>
           </p:cNvPr>
@@ -7911,7 +7897,7 @@
           <p:cNvPr id="17" name="TextBox 16">
             <a:extLst>
               <a:ext uri="{FF2B5EF4-FFF2-40B4-BE49-F238E27FC236}">
-                <a16:creationId xmlns="" xmlns:a16="http://schemas.microsoft.com/office/drawing/2014/main" id="{1B59A2A4-9D39-8341-891C-DBF699863D62}"/>
+                <a16:creationId xmlns:a16="http://schemas.microsoft.com/office/drawing/2014/main" id="{1B59A2A4-9D39-8341-891C-DBF699863D62}"/>
               </a:ext>
             </a:extLst>
           </p:cNvPr>
@@ -7951,7 +7937,7 @@
     </p:spTree>
     <p:extLst>
       <p:ext uri="{BB962C8B-B14F-4D97-AF65-F5344CB8AC3E}">
-        <p14:creationId xmlns="" xmlns:p14="http://schemas.microsoft.com/office/powerpoint/2010/main" val="1672495086"/>
+        <p14:creationId xmlns:p14="http://schemas.microsoft.com/office/powerpoint/2010/main" val="1672495086"/>
       </p:ext>
     </p:extLst>
   </p:cSld>
@@ -8097,7 +8083,7 @@
     </p:spTree>
     <p:extLst>
       <p:ext uri="{BB962C8B-B14F-4D97-AF65-F5344CB8AC3E}">
-        <p14:creationId xmlns="" xmlns:p14="http://schemas.microsoft.com/office/powerpoint/2010/main" val="1696777924"/>
+        <p14:creationId xmlns:p14="http://schemas.microsoft.com/office/powerpoint/2010/main" val="1696777924"/>
       </p:ext>
     </p:extLst>
   </p:cSld>
@@ -8129,7 +8115,7 @@
           <p:cNvPr id="3" name="TextBox 2">
             <a:extLst>
               <a:ext uri="{FF2B5EF4-FFF2-40B4-BE49-F238E27FC236}">
-                <a16:creationId xmlns="" xmlns:a16="http://schemas.microsoft.com/office/drawing/2014/main" id="{53FBF66C-E7A9-1A49-9686-B34B7E5B8BDE}"/>
+                <a16:creationId xmlns:a16="http://schemas.microsoft.com/office/drawing/2014/main" id="{53FBF66C-E7A9-1A49-9686-B34B7E5B8BDE}"/>
               </a:ext>
             </a:extLst>
           </p:cNvPr>
@@ -8178,7 +8164,7 @@
           <p:cNvPr id="5" name="TextBox 4">
             <a:extLst>
               <a:ext uri="{FF2B5EF4-FFF2-40B4-BE49-F238E27FC236}">
-                <a16:creationId xmlns="" xmlns:a16="http://schemas.microsoft.com/office/drawing/2014/main" id="{0462DCC5-4904-F644-B963-FCA0DF3B4F25}"/>
+                <a16:creationId xmlns:a16="http://schemas.microsoft.com/office/drawing/2014/main" id="{0462DCC5-4904-F644-B963-FCA0DF3B4F25}"/>
               </a:ext>
             </a:extLst>
           </p:cNvPr>
@@ -8220,7 +8206,7 @@
           <p:cNvPr id="7" name="TextBox 6">
             <a:extLst>
               <a:ext uri="{FF2B5EF4-FFF2-40B4-BE49-F238E27FC236}">
-                <a16:creationId xmlns="" xmlns:a16="http://schemas.microsoft.com/office/drawing/2014/main" id="{6EEEE267-ED4A-1A4C-812D-774C43427A00}"/>
+                <a16:creationId xmlns:a16="http://schemas.microsoft.com/office/drawing/2014/main" id="{6EEEE267-ED4A-1A4C-812D-774C43427A00}"/>
               </a:ext>
             </a:extLst>
           </p:cNvPr>
@@ -8262,7 +8248,7 @@
           <p:cNvPr id="9" name="TextBox 8">
             <a:extLst>
               <a:ext uri="{FF2B5EF4-FFF2-40B4-BE49-F238E27FC236}">
-                <a16:creationId xmlns="" xmlns:a16="http://schemas.microsoft.com/office/drawing/2014/main" id="{6841917B-2B39-4745-B7FD-AC6FAAB06752}"/>
+                <a16:creationId xmlns:a16="http://schemas.microsoft.com/office/drawing/2014/main" id="{6841917B-2B39-4745-B7FD-AC6FAAB06752}"/>
               </a:ext>
             </a:extLst>
           </p:cNvPr>
@@ -8304,7 +8290,7 @@
           <p:cNvPr id="11" name="TextBox 10">
             <a:extLst>
               <a:ext uri="{FF2B5EF4-FFF2-40B4-BE49-F238E27FC236}">
-                <a16:creationId xmlns="" xmlns:a16="http://schemas.microsoft.com/office/drawing/2014/main" id="{8E762776-DCF1-134E-9719-9E727F89DDD1}"/>
+                <a16:creationId xmlns:a16="http://schemas.microsoft.com/office/drawing/2014/main" id="{8E762776-DCF1-134E-9719-9E727F89DDD1}"/>
               </a:ext>
             </a:extLst>
           </p:cNvPr>
@@ -8353,7 +8339,7 @@
           <p:cNvPr id="13" name="TextBox 12">
             <a:extLst>
               <a:ext uri="{FF2B5EF4-FFF2-40B4-BE49-F238E27FC236}">
-                <a16:creationId xmlns="" xmlns:a16="http://schemas.microsoft.com/office/drawing/2014/main" id="{D47DE4ED-FD8E-BE47-860F-0E847BD492FE}"/>
+                <a16:creationId xmlns:a16="http://schemas.microsoft.com/office/drawing/2014/main" id="{D47DE4ED-FD8E-BE47-860F-0E847BD492FE}"/>
               </a:ext>
             </a:extLst>
           </p:cNvPr>
@@ -8393,7 +8379,7 @@
     </p:spTree>
     <p:extLst>
       <p:ext uri="{BB962C8B-B14F-4D97-AF65-F5344CB8AC3E}">
-        <p14:creationId xmlns="" xmlns:p14="http://schemas.microsoft.com/office/powerpoint/2010/main" val="2539217048"/>
+        <p14:creationId xmlns:p14="http://schemas.microsoft.com/office/powerpoint/2010/main" val="2539217048"/>
       </p:ext>
     </p:extLst>
   </p:cSld>
@@ -8425,7 +8411,7 @@
           <p:cNvPr id="3" name="TextBox 2">
             <a:extLst>
               <a:ext uri="{FF2B5EF4-FFF2-40B4-BE49-F238E27FC236}">
-                <a16:creationId xmlns="" xmlns:a16="http://schemas.microsoft.com/office/drawing/2014/main" id="{AB830E2E-4D3A-2E45-9C8D-97E30B20A43A}"/>
+                <a16:creationId xmlns:a16="http://schemas.microsoft.com/office/drawing/2014/main" id="{AB830E2E-4D3A-2E45-9C8D-97E30B20A43A}"/>
               </a:ext>
             </a:extLst>
           </p:cNvPr>
@@ -8471,7 +8457,7 @@
           <p:cNvPr id="5" name="TextBox 4">
             <a:extLst>
               <a:ext uri="{FF2B5EF4-FFF2-40B4-BE49-F238E27FC236}">
-                <a16:creationId xmlns="" xmlns:a16="http://schemas.microsoft.com/office/drawing/2014/main" id="{1F195D78-4ACC-664F-8B29-73D9354E5B56}"/>
+                <a16:creationId xmlns:a16="http://schemas.microsoft.com/office/drawing/2014/main" id="{1F195D78-4ACC-664F-8B29-73D9354E5B56}"/>
               </a:ext>
             </a:extLst>
           </p:cNvPr>
@@ -8513,7 +8499,7 @@
           <p:cNvPr id="7" name="TextBox 6">
             <a:extLst>
               <a:ext uri="{FF2B5EF4-FFF2-40B4-BE49-F238E27FC236}">
-                <a16:creationId xmlns="" xmlns:a16="http://schemas.microsoft.com/office/drawing/2014/main" id="{2CC12D03-11DD-4740-9CA5-E15C1752E361}"/>
+                <a16:creationId xmlns:a16="http://schemas.microsoft.com/office/drawing/2014/main" id="{2CC12D03-11DD-4740-9CA5-E15C1752E361}"/>
               </a:ext>
             </a:extLst>
           </p:cNvPr>
@@ -8557,7 +8543,7 @@
     </p:spTree>
     <p:extLst>
       <p:ext uri="{BB962C8B-B14F-4D97-AF65-F5344CB8AC3E}">
-        <p14:creationId xmlns="" xmlns:p14="http://schemas.microsoft.com/office/powerpoint/2010/main" val="3752238277"/>
+        <p14:creationId xmlns:p14="http://schemas.microsoft.com/office/powerpoint/2010/main" val="3752238277"/>
       </p:ext>
     </p:extLst>
   </p:cSld>
@@ -8651,7 +8637,7 @@
           <a:lstStyle/>
           <a:p>
             <a:r>
-              <a:rPr lang="en-GB" b="1" dirty="0" smtClean="0">
+              <a:rPr lang="en-GB" b="1" dirty="0">
                 <a:latin typeface="Algerian" pitchFamily="82" charset="0"/>
               </a:rPr>
               <a:t>PERFORMANCE ANALYSIS</a:t>
@@ -8685,7 +8671,7 @@
           <a:lstStyle/>
           <a:p>
             <a:r>
-              <a:rPr lang="en-GB" dirty="0" smtClean="0">
+              <a:rPr lang="en-GB" dirty="0">
                 <a:latin typeface="Times New Roman" pitchFamily="18" charset="0"/>
                 <a:cs typeface="Times New Roman" pitchFamily="18" charset="0"/>
               </a:rPr>
@@ -8721,14 +8707,14 @@
           <a:lstStyle/>
           <a:p>
             <a:r>
-              <a:rPr lang="en-GB" dirty="0" smtClean="0">
+              <a:rPr lang="en-GB" dirty="0">
                 <a:latin typeface="Times New Roman" pitchFamily="18" charset="0"/>
                 <a:cs typeface="Times New Roman" pitchFamily="18" charset="0"/>
               </a:rPr>
               <a:t>High Accuracy for Earthquake </a:t>
             </a:r>
             <a:r>
-              <a:rPr lang="en-GB" dirty="0" err="1" smtClean="0">
+              <a:rPr lang="en-GB" dirty="0" err="1">
                 <a:latin typeface="Times New Roman" pitchFamily="18" charset="0"/>
                 <a:cs typeface="Times New Roman" pitchFamily="18" charset="0"/>
               </a:rPr>
@@ -8771,7 +8757,7 @@
           <p:cNvPr id="3" name="TextBox 2">
             <a:extLst>
               <a:ext uri="{FF2B5EF4-FFF2-40B4-BE49-F238E27FC236}">
-                <a16:creationId xmlns="" xmlns:a16="http://schemas.microsoft.com/office/drawing/2014/main" id="{E8B4D3B7-580A-A047-A5C6-51036193FA0E}"/>
+                <a16:creationId xmlns:a16="http://schemas.microsoft.com/office/drawing/2014/main" id="{E8B4D3B7-580A-A047-A5C6-51036193FA0E}"/>
               </a:ext>
             </a:extLst>
           </p:cNvPr>
@@ -8818,7 +8804,7 @@
           <p:cNvPr id="4" name="Picture 4">
             <a:extLst>
               <a:ext uri="{FF2B5EF4-FFF2-40B4-BE49-F238E27FC236}">
-                <a16:creationId xmlns="" xmlns:a16="http://schemas.microsoft.com/office/drawing/2014/main" id="{F5DC0E6E-A276-2448-8D77-6351E5E8F3B6}"/>
+                <a16:creationId xmlns:a16="http://schemas.microsoft.com/office/drawing/2014/main" id="{F5DC0E6E-A276-2448-8D77-6351E5E8F3B6}"/>
               </a:ext>
             </a:extLst>
           </p:cNvPr>
@@ -8831,7 +8817,7 @@
           <a:blip r:embed="rId2">
             <a:extLst>
               <a:ext uri="{28A0092B-C50C-407E-A947-70E740481C1C}">
-                <a14:useLocalDpi xmlns="" xmlns:a14="http://schemas.microsoft.com/office/drawing/2010/main" val="0"/>
+                <a14:useLocalDpi xmlns:a14="http://schemas.microsoft.com/office/drawing/2010/main" val="0"/>
               </a:ext>
             </a:extLst>
           </a:blip>
@@ -8852,7 +8838,7 @@
     </p:spTree>
     <p:extLst>
       <p:ext uri="{BB962C8B-B14F-4D97-AF65-F5344CB8AC3E}">
-        <p14:creationId xmlns="" xmlns:p14="http://schemas.microsoft.com/office/powerpoint/2010/main" val="3643137858"/>
+        <p14:creationId xmlns:p14="http://schemas.microsoft.com/office/powerpoint/2010/main" val="3643137858"/>
       </p:ext>
     </p:extLst>
   </p:cSld>
@@ -8884,7 +8870,7 @@
           <p:cNvPr id="2" name="Picture 2">
             <a:extLst>
               <a:ext uri="{FF2B5EF4-FFF2-40B4-BE49-F238E27FC236}">
-                <a16:creationId xmlns="" xmlns:a16="http://schemas.microsoft.com/office/drawing/2014/main" id="{A2A199A3-F11A-884B-B65D-03DE2350E886}"/>
+                <a16:creationId xmlns:a16="http://schemas.microsoft.com/office/drawing/2014/main" id="{A2A199A3-F11A-884B-B65D-03DE2350E886}"/>
               </a:ext>
             </a:extLst>
           </p:cNvPr>
@@ -8897,7 +8883,7 @@
           <a:blip r:embed="rId2">
             <a:extLst>
               <a:ext uri="{28A0092B-C50C-407E-A947-70E740481C1C}">
-                <a14:useLocalDpi xmlns="" xmlns:a14="http://schemas.microsoft.com/office/drawing/2010/main" val="0"/>
+                <a14:useLocalDpi xmlns:a14="http://schemas.microsoft.com/office/drawing/2010/main" val="0"/>
               </a:ext>
             </a:extLst>
           </a:blip>
@@ -8918,7 +8904,7 @@
     </p:spTree>
     <p:extLst>
       <p:ext uri="{BB962C8B-B14F-4D97-AF65-F5344CB8AC3E}">
-        <p14:creationId xmlns="" xmlns:p14="http://schemas.microsoft.com/office/powerpoint/2010/main" val="1104839400"/>
+        <p14:creationId xmlns:p14="http://schemas.microsoft.com/office/powerpoint/2010/main" val="1104839400"/>
       </p:ext>
     </p:extLst>
   </p:cSld>
@@ -8950,7 +8936,7 @@
           <p:cNvPr id="3" name="TextBox 2">
             <a:extLst>
               <a:ext uri="{FF2B5EF4-FFF2-40B4-BE49-F238E27FC236}">
-                <a16:creationId xmlns="" xmlns:a16="http://schemas.microsoft.com/office/drawing/2014/main" id="{424C06F8-6019-AD43-9492-744E66F72A0A}"/>
+                <a16:creationId xmlns:a16="http://schemas.microsoft.com/office/drawing/2014/main" id="{424C06F8-6019-AD43-9492-744E66F72A0A}"/>
               </a:ext>
             </a:extLst>
           </p:cNvPr>
@@ -8995,7 +8981,7 @@
           <p:cNvPr id="5" name="TextBox 4">
             <a:extLst>
               <a:ext uri="{FF2B5EF4-FFF2-40B4-BE49-F238E27FC236}">
-                <a16:creationId xmlns="" xmlns:a16="http://schemas.microsoft.com/office/drawing/2014/main" id="{66996422-4704-E14F-8061-6930ACBFFE23}"/>
+                <a16:creationId xmlns:a16="http://schemas.microsoft.com/office/drawing/2014/main" id="{66996422-4704-E14F-8061-6930ACBFFE23}"/>
               </a:ext>
             </a:extLst>
           </p:cNvPr>
@@ -9030,7 +9016,7 @@
     </p:spTree>
     <p:extLst>
       <p:ext uri="{BB962C8B-B14F-4D97-AF65-F5344CB8AC3E}">
-        <p14:creationId xmlns="" xmlns:p14="http://schemas.microsoft.com/office/powerpoint/2010/main" val="19234846"/>
+        <p14:creationId xmlns:p14="http://schemas.microsoft.com/office/powerpoint/2010/main" val="19234846"/>
       </p:ext>
     </p:extLst>
   </p:cSld>
@@ -9062,7 +9048,7 @@
           <p:cNvPr id="3" name="TextBox 2">
             <a:extLst>
               <a:ext uri="{FF2B5EF4-FFF2-40B4-BE49-F238E27FC236}">
-                <a16:creationId xmlns="" xmlns:a16="http://schemas.microsoft.com/office/drawing/2014/main" id="{D3087F27-5BDA-3D4F-BF75-54B68FB42F98}"/>
+                <a16:creationId xmlns:a16="http://schemas.microsoft.com/office/drawing/2014/main" id="{D3087F27-5BDA-3D4F-BF75-54B68FB42F98}"/>
               </a:ext>
             </a:extLst>
           </p:cNvPr>
@@ -9099,7 +9085,7 @@
           <p:cNvPr id="5" name="TextBox 4">
             <a:extLst>
               <a:ext uri="{FF2B5EF4-FFF2-40B4-BE49-F238E27FC236}">
-                <a16:creationId xmlns="" xmlns:a16="http://schemas.microsoft.com/office/drawing/2014/main" id="{9D9025C0-99B0-B145-A99B-7688E0164C36}"/>
+                <a16:creationId xmlns:a16="http://schemas.microsoft.com/office/drawing/2014/main" id="{9D9025C0-99B0-B145-A99B-7688E0164C36}"/>
               </a:ext>
             </a:extLst>
           </p:cNvPr>
@@ -9182,7 +9168,7 @@
           <p:cNvPr id="7" name="TextBox 6">
             <a:extLst>
               <a:ext uri="{FF2B5EF4-FFF2-40B4-BE49-F238E27FC236}">
-                <a16:creationId xmlns="" xmlns:a16="http://schemas.microsoft.com/office/drawing/2014/main" id="{88C1A71B-B84D-7542-B69A-F58DD7AEA460}"/>
+                <a16:creationId xmlns:a16="http://schemas.microsoft.com/office/drawing/2014/main" id="{88C1A71B-B84D-7542-B69A-F58DD7AEA460}"/>
               </a:ext>
             </a:extLst>
           </p:cNvPr>
@@ -9218,7 +9204,7 @@
     </p:spTree>
     <p:extLst>
       <p:ext uri="{BB962C8B-B14F-4D97-AF65-F5344CB8AC3E}">
-        <p14:creationId xmlns="" xmlns:p14="http://schemas.microsoft.com/office/powerpoint/2010/main" val="467582834"/>
+        <p14:creationId xmlns:p14="http://schemas.microsoft.com/office/powerpoint/2010/main" val="467582834"/>
       </p:ext>
     </p:extLst>
   </p:cSld>
@@ -9250,7 +9236,7 @@
           <p:cNvPr id="3" name="TextBox 2">
             <a:extLst>
               <a:ext uri="{FF2B5EF4-FFF2-40B4-BE49-F238E27FC236}">
-                <a16:creationId xmlns="" xmlns:a16="http://schemas.microsoft.com/office/drawing/2014/main" id="{81B3F7E3-F92C-8346-9675-A69D36F6C063}"/>
+                <a16:creationId xmlns:a16="http://schemas.microsoft.com/office/drawing/2014/main" id="{81B3F7E3-F92C-8346-9675-A69D36F6C063}"/>
               </a:ext>
             </a:extLst>
           </p:cNvPr>
@@ -9312,7 +9298,7 @@
           <p:cNvPr id="5" name="TextBox 4">
             <a:extLst>
               <a:ext uri="{FF2B5EF4-FFF2-40B4-BE49-F238E27FC236}">
-                <a16:creationId xmlns="" xmlns:a16="http://schemas.microsoft.com/office/drawing/2014/main" id="{BA751820-F900-DF42-A559-26DE0FA7C803}"/>
+                <a16:creationId xmlns:a16="http://schemas.microsoft.com/office/drawing/2014/main" id="{BA751820-F900-DF42-A559-26DE0FA7C803}"/>
               </a:ext>
             </a:extLst>
           </p:cNvPr>
@@ -9375,7 +9361,7 @@
     </p:spTree>
     <p:extLst>
       <p:ext uri="{BB962C8B-B14F-4D97-AF65-F5344CB8AC3E}">
-        <p14:creationId xmlns="" xmlns:p14="http://schemas.microsoft.com/office/powerpoint/2010/main" val="3414981624"/>
+        <p14:creationId xmlns:p14="http://schemas.microsoft.com/office/powerpoint/2010/main" val="3414981624"/>
       </p:ext>
     </p:extLst>
   </p:cSld>
@@ -9407,7 +9393,7 @@
           <p:cNvPr id="4" name="Table 4">
             <a:extLst>
               <a:ext uri="{FF2B5EF4-FFF2-40B4-BE49-F238E27FC236}">
-                <a16:creationId xmlns="" xmlns:a16="http://schemas.microsoft.com/office/drawing/2014/main" id="{23394AFD-3DCD-D54D-9846-F59F2C24BCCC}"/>
+                <a16:creationId xmlns:a16="http://schemas.microsoft.com/office/drawing/2014/main" id="{23394AFD-3DCD-D54D-9846-F59F2C24BCCC}"/>
               </a:ext>
             </a:extLst>
           </p:cNvPr>
@@ -9417,14 +9403,14 @@
           <p:nvPr>
             <p:extLst>
               <p:ext uri="{D42A27DB-BD31-4B8C-83A1-F6EECF244321}">
-                <p14:modId xmlns="" xmlns:p14="http://schemas.microsoft.com/office/powerpoint/2010/main" val="3175702927"/>
+                <p14:modId xmlns:p14="http://schemas.microsoft.com/office/powerpoint/2010/main" val="620108863"/>
               </p:ext>
             </p:extLst>
           </p:nvPr>
         </p:nvGraphicFramePr>
         <p:xfrm>
-          <a:off x="358911" y="855870"/>
-          <a:ext cx="9121258" cy="6695425"/>
+          <a:off x="-90357" y="628025"/>
+          <a:ext cx="9121258" cy="6583680"/>
         </p:xfrm>
         <a:graphic>
           <a:graphicData uri="http://schemas.openxmlformats.org/drawingml/2006/table">
@@ -9436,26 +9422,26 @@
                 <a:gridCol w="3427730">
                   <a:extLst>
                     <a:ext uri="{9D8B030D-6E8A-4147-A177-3AD203B41FA5}">
-                      <a16:colId xmlns="" xmlns:a16="http://schemas.microsoft.com/office/drawing/2014/main" val="3427407629"/>
+                      <a16:colId xmlns:a16="http://schemas.microsoft.com/office/drawing/2014/main" val="3427407629"/>
                     </a:ext>
                   </a:extLst>
                 </a:gridCol>
                 <a:gridCol w="2846764">
                   <a:extLst>
                     <a:ext uri="{9D8B030D-6E8A-4147-A177-3AD203B41FA5}">
-                      <a16:colId xmlns="" xmlns:a16="http://schemas.microsoft.com/office/drawing/2014/main" val="1102163111"/>
+                      <a16:colId xmlns:a16="http://schemas.microsoft.com/office/drawing/2014/main" val="1102163111"/>
                     </a:ext>
                   </a:extLst>
                 </a:gridCol>
                 <a:gridCol w="2846764">
                   <a:extLst>
                     <a:ext uri="{9D8B030D-6E8A-4147-A177-3AD203B41FA5}">
-                      <a16:colId xmlns="" xmlns:a16="http://schemas.microsoft.com/office/drawing/2014/main" val="3079420065"/>
+                      <a16:colId xmlns:a16="http://schemas.microsoft.com/office/drawing/2014/main" val="3079420065"/>
                     </a:ext>
                   </a:extLst>
                 </a:gridCol>
               </a:tblGrid>
-              <a:tr h="539802">
+              <a:tr h="317791">
                 <a:tc>
                   <a:txBody>
                     <a:bodyPr/>
@@ -9518,11 +9504,11 @@
                 </a:tc>
                 <a:extLst>
                   <a:ext uri="{0D108BD9-81ED-4DB2-BD59-A6C34878D82A}">
-                    <a16:rowId xmlns="" xmlns:a16="http://schemas.microsoft.com/office/drawing/2014/main" val="2428730831"/>
+                    <a16:rowId xmlns:a16="http://schemas.microsoft.com/office/drawing/2014/main" val="2428730831"/>
                   </a:ext>
                 </a:extLst>
               </a:tr>
-              <a:tr h="892918">
+              <a:tr h="1032821">
                 <a:tc>
                   <a:txBody>
                     <a:bodyPr/>
@@ -9551,7 +9537,7 @@
                           <a:latin typeface="Times New Roman" panose="02020603050405020304" pitchFamily="18" charset="0"/>
                           <a:cs typeface="Times New Roman" panose="02020603050405020304" pitchFamily="18" charset="0"/>
                         </a:rPr>
-                        <a:t>S.Rasyid(2021)</a:t>
+                        <a:t>S.Rasyid(2021) Earthquake Early Warning System </a:t>
                       </a:r>
                     </a:p>
                   </a:txBody>
@@ -9595,11 +9581,11 @@
                 </a:tc>
                 <a:extLst>
                   <a:ext uri="{0D108BD9-81ED-4DB2-BD59-A6C34878D82A}">
-                    <a16:rowId xmlns="" xmlns:a16="http://schemas.microsoft.com/office/drawing/2014/main" val="738997169"/>
+                    <a16:rowId xmlns:a16="http://schemas.microsoft.com/office/drawing/2014/main" val="738997169"/>
                   </a:ext>
                 </a:extLst>
               </a:tr>
-              <a:tr h="1696545">
+              <a:tr h="861473">
                 <a:tc>
                   <a:txBody>
                     <a:bodyPr/>
@@ -9610,7 +9596,7 @@
                           <a:latin typeface="Times New Roman" panose="02020603050405020304" pitchFamily="18" charset="0"/>
                           <a:cs typeface="Times New Roman" panose="02020603050405020304" pitchFamily="18" charset="0"/>
                         </a:rPr>
-                        <a:t>S.Widiyantoro(2020)</a:t>
+                        <a:t>S.Widiyantoro(2020) Implications for megathrust Earthquake </a:t>
                       </a:r>
                     </a:p>
                   </a:txBody>
@@ -9650,11 +9636,11 @@
                 </a:tc>
                 <a:extLst>
                   <a:ext uri="{0D108BD9-81ED-4DB2-BD59-A6C34878D82A}">
-                    <a16:rowId xmlns="" xmlns:a16="http://schemas.microsoft.com/office/drawing/2014/main" val="349969075"/>
+                    <a16:rowId xmlns:a16="http://schemas.microsoft.com/office/drawing/2014/main" val="349969075"/>
                   </a:ext>
                 </a:extLst>
               </a:tr>
-              <a:tr h="892918">
+              <a:tr h="1032821">
                 <a:tc>
                   <a:txBody>
                     <a:bodyPr/>
@@ -9674,7 +9660,7 @@
                           <a:latin typeface="Times New Roman" panose="02020603050405020304" pitchFamily="18" charset="0"/>
                           <a:cs typeface="Times New Roman" panose="02020603050405020304" pitchFamily="18" charset="0"/>
                         </a:rPr>
-                        <a:t>Z.Chen and W.LI(2020)</a:t>
+                        <a:t>Z.Chen and W.LI(2020) Locating Induced Earthquake with a network of seismic station </a:t>
                       </a:r>
                     </a:p>
                   </a:txBody>
@@ -9714,11 +9700,11 @@
                 </a:tc>
                 <a:extLst>
                   <a:ext uri="{0D108BD9-81ED-4DB2-BD59-A6C34878D82A}">
-                    <a16:rowId xmlns="" xmlns:a16="http://schemas.microsoft.com/office/drawing/2014/main" val="2560922525"/>
+                    <a16:rowId xmlns:a16="http://schemas.microsoft.com/office/drawing/2014/main" val="2560922525"/>
                   </a:ext>
                 </a:extLst>
               </a:tr>
-              <a:tr h="892918">
+              <a:tr h="1032821">
                 <a:tc>
                   <a:txBody>
                     <a:bodyPr/>
@@ -9738,7 +9724,7 @@
                           <a:latin typeface="Times New Roman" panose="02020603050405020304" pitchFamily="18" charset="0"/>
                           <a:cs typeface="Times New Roman" panose="02020603050405020304" pitchFamily="18" charset="0"/>
                         </a:rPr>
-                        <a:t>And A.Michelini(2020)</a:t>
+                        <a:t>And A.Michelini(2020) rapid prodection of Earthquake ground shaking </a:t>
                       </a:r>
                     </a:p>
                   </a:txBody>
@@ -9778,11 +9764,11 @@
                 </a:tc>
                 <a:extLst>
                   <a:ext uri="{0D108BD9-81ED-4DB2-BD59-A6C34878D82A}">
-                    <a16:rowId xmlns="" xmlns:a16="http://schemas.microsoft.com/office/drawing/2014/main" val="3544845123"/>
+                    <a16:rowId xmlns:a16="http://schemas.microsoft.com/office/drawing/2014/main" val="3544845123"/>
                   </a:ext>
                 </a:extLst>
               </a:tr>
-              <a:tr h="625043">
+              <a:tr h="1509507">
                 <a:tc>
                   <a:txBody>
                     <a:bodyPr/>
@@ -9793,7 +9779,7 @@
                           <a:latin typeface="Times New Roman" panose="02020603050405020304" pitchFamily="18" charset="0"/>
                           <a:cs typeface="Times New Roman" panose="02020603050405020304" pitchFamily="18" charset="0"/>
                         </a:rPr>
-                        <a:t>O.M.Saad and Y.Chen(2020)</a:t>
+                        <a:t>O.M.Saad and Y.Chen(2020) Earthquake detection and p-wave arrival time </a:t>
                       </a:r>
                     </a:p>
                   </a:txBody>
@@ -9833,7 +9819,7 @@
                 </a:tc>
                 <a:extLst>
                   <a:ext uri="{0D108BD9-81ED-4DB2-BD59-A6C34878D82A}">
-                    <a16:rowId xmlns="" xmlns:a16="http://schemas.microsoft.com/office/drawing/2014/main" val="3382964690"/>
+                    <a16:rowId xmlns:a16="http://schemas.microsoft.com/office/drawing/2014/main" val="3382964690"/>
                   </a:ext>
                 </a:extLst>
               </a:tr>
@@ -9846,7 +9832,7 @@
           <p:cNvPr id="8" name="TextBox 7">
             <a:extLst>
               <a:ext uri="{FF2B5EF4-FFF2-40B4-BE49-F238E27FC236}">
-                <a16:creationId xmlns="" xmlns:a16="http://schemas.microsoft.com/office/drawing/2014/main" id="{B4EE0BEA-1662-5946-9DC7-51F49706C213}"/>
+                <a16:creationId xmlns:a16="http://schemas.microsoft.com/office/drawing/2014/main" id="{B4EE0BEA-1662-5946-9DC7-51F49706C213}"/>
               </a:ext>
             </a:extLst>
           </p:cNvPr>
@@ -9927,7 +9913,7 @@
     </p:spTree>
     <p:extLst>
       <p:ext uri="{BB962C8B-B14F-4D97-AF65-F5344CB8AC3E}">
-        <p14:creationId xmlns="" xmlns:p14="http://schemas.microsoft.com/office/powerpoint/2010/main" val="3144553744"/>
+        <p14:creationId xmlns:p14="http://schemas.microsoft.com/office/powerpoint/2010/main" val="3144553744"/>
       </p:ext>
     </p:extLst>
   </p:cSld>
@@ -9959,7 +9945,7 @@
           <p:cNvPr id="5" name="TextBox 4">
             <a:extLst>
               <a:ext uri="{FF2B5EF4-FFF2-40B4-BE49-F238E27FC236}">
-                <a16:creationId xmlns="" xmlns:a16="http://schemas.microsoft.com/office/drawing/2014/main" id="{0780DEE1-8E1A-AF4C-A238-B59988300556}"/>
+                <a16:creationId xmlns:a16="http://schemas.microsoft.com/office/drawing/2014/main" id="{0780DEE1-8E1A-AF4C-A238-B59988300556}"/>
               </a:ext>
             </a:extLst>
           </p:cNvPr>
@@ -10006,7 +9992,7 @@
           <p:cNvPr id="7" name="TextBox 6">
             <a:extLst>
               <a:ext uri="{FF2B5EF4-FFF2-40B4-BE49-F238E27FC236}">
-                <a16:creationId xmlns="" xmlns:a16="http://schemas.microsoft.com/office/drawing/2014/main" id="{59DB7D35-5420-954B-8546-6F46A4FDE378}"/>
+                <a16:creationId xmlns:a16="http://schemas.microsoft.com/office/drawing/2014/main" id="{59DB7D35-5420-954B-8546-6F46A4FDE378}"/>
               </a:ext>
             </a:extLst>
           </p:cNvPr>
@@ -10047,7 +10033,7 @@
     </p:spTree>
     <p:extLst>
       <p:ext uri="{BB962C8B-B14F-4D97-AF65-F5344CB8AC3E}">
-        <p14:creationId xmlns="" xmlns:p14="http://schemas.microsoft.com/office/powerpoint/2010/main" val="124720316"/>
+        <p14:creationId xmlns:p14="http://schemas.microsoft.com/office/powerpoint/2010/main" val="124720316"/>
       </p:ext>
     </p:extLst>
   </p:cSld>
@@ -10079,7 +10065,7 @@
           <p:cNvPr id="5" name="TextBox 4">
             <a:extLst>
               <a:ext uri="{FF2B5EF4-FFF2-40B4-BE49-F238E27FC236}">
-                <a16:creationId xmlns="" xmlns:a16="http://schemas.microsoft.com/office/drawing/2014/main" id="{884A2568-DEAC-AB45-A063-937EE4F31F6F}"/>
+                <a16:creationId xmlns:a16="http://schemas.microsoft.com/office/drawing/2014/main" id="{884A2568-DEAC-AB45-A063-937EE4F31F6F}"/>
               </a:ext>
             </a:extLst>
           </p:cNvPr>
@@ -10126,7 +10112,7 @@
           <p:cNvPr id="7" name="TextBox 6">
             <a:extLst>
               <a:ext uri="{FF2B5EF4-FFF2-40B4-BE49-F238E27FC236}">
-                <a16:creationId xmlns="" xmlns:a16="http://schemas.microsoft.com/office/drawing/2014/main" id="{01B42BCA-CF2C-9B4B-9D91-19F2DC47372E}"/>
+                <a16:creationId xmlns:a16="http://schemas.microsoft.com/office/drawing/2014/main" id="{01B42BCA-CF2C-9B4B-9D91-19F2DC47372E}"/>
               </a:ext>
             </a:extLst>
           </p:cNvPr>
@@ -10323,7 +10309,7 @@
     </p:spTree>
     <p:extLst>
       <p:ext uri="{BB962C8B-B14F-4D97-AF65-F5344CB8AC3E}">
-        <p14:creationId xmlns="" xmlns:p14="http://schemas.microsoft.com/office/powerpoint/2010/main" val="3286516874"/>
+        <p14:creationId xmlns:p14="http://schemas.microsoft.com/office/powerpoint/2010/main" val="3286516874"/>
       </p:ext>
     </p:extLst>
   </p:cSld>
@@ -10355,7 +10341,7 @@
           <p:cNvPr id="3" name="TextBox 2">
             <a:extLst>
               <a:ext uri="{FF2B5EF4-FFF2-40B4-BE49-F238E27FC236}">
-                <a16:creationId xmlns="" xmlns:a16="http://schemas.microsoft.com/office/drawing/2014/main" id="{A6C9D713-36AD-6F46-8722-F581F754AD6D}"/>
+                <a16:creationId xmlns:a16="http://schemas.microsoft.com/office/drawing/2014/main" id="{A6C9D713-36AD-6F46-8722-F581F754AD6D}"/>
               </a:ext>
             </a:extLst>
           </p:cNvPr>
@@ -10398,7 +10384,7 @@
           <p:cNvPr id="4" name="Picture 4">
             <a:extLst>
               <a:ext uri="{FF2B5EF4-FFF2-40B4-BE49-F238E27FC236}">
-                <a16:creationId xmlns="" xmlns:a16="http://schemas.microsoft.com/office/drawing/2014/main" id="{BCD77A11-58D4-4341-AEBB-397A816561AE}"/>
+                <a16:creationId xmlns:a16="http://schemas.microsoft.com/office/drawing/2014/main" id="{BCD77A11-58D4-4341-AEBB-397A816561AE}"/>
               </a:ext>
             </a:extLst>
           </p:cNvPr>
@@ -10411,7 +10397,7 @@
           <a:blip r:embed="rId3">
             <a:extLst>
               <a:ext uri="{28A0092B-C50C-407E-A947-70E740481C1C}">
-                <a14:useLocalDpi xmlns="" xmlns:a14="http://schemas.microsoft.com/office/drawing/2010/main" val="0"/>
+                <a14:useLocalDpi xmlns:a14="http://schemas.microsoft.com/office/drawing/2010/main" val="0"/>
               </a:ext>
             </a:extLst>
           </a:blip>
@@ -10434,7 +10420,7 @@
           <p:cNvPr id="2" name="Rectangle 1">
             <a:extLst>
               <a:ext uri="{FF2B5EF4-FFF2-40B4-BE49-F238E27FC236}">
-                <a16:creationId xmlns="" xmlns:a16="http://schemas.microsoft.com/office/drawing/2014/main" id="{DB334C20-DA77-4008-8AFA-FF016F3B5736}"/>
+                <a16:creationId xmlns:a16="http://schemas.microsoft.com/office/drawing/2014/main" id="{DB334C20-DA77-4008-8AFA-FF016F3B5736}"/>
               </a:ext>
             </a:extLst>
           </p:cNvPr>
@@ -10589,7 +10575,7 @@
           <p:cNvPr id="6" name="Rectangle 5">
             <a:extLst>
               <a:ext uri="{FF2B5EF4-FFF2-40B4-BE49-F238E27FC236}">
-                <a16:creationId xmlns="" xmlns:a16="http://schemas.microsoft.com/office/drawing/2014/main" id="{941FE930-6E37-4B15-B199-76448D80BD68}"/>
+                <a16:creationId xmlns:a16="http://schemas.microsoft.com/office/drawing/2014/main" id="{941FE930-6E37-4B15-B199-76448D80BD68}"/>
               </a:ext>
             </a:extLst>
           </p:cNvPr>
@@ -10637,7 +10623,7 @@
           <p:cNvPr id="7" name="Rectangle 6">
             <a:extLst>
               <a:ext uri="{FF2B5EF4-FFF2-40B4-BE49-F238E27FC236}">
-                <a16:creationId xmlns="" xmlns:a16="http://schemas.microsoft.com/office/drawing/2014/main" id="{F9CCA558-4E1B-4F7F-B25C-7DB762667A86}"/>
+                <a16:creationId xmlns:a16="http://schemas.microsoft.com/office/drawing/2014/main" id="{F9CCA558-4E1B-4F7F-B25C-7DB762667A86}"/>
               </a:ext>
             </a:extLst>
           </p:cNvPr>
@@ -10726,7 +10712,7 @@
     </p:spTree>
     <p:extLst>
       <p:ext uri="{BB962C8B-B14F-4D97-AF65-F5344CB8AC3E}">
-        <p14:creationId xmlns="" xmlns:p14="http://schemas.microsoft.com/office/powerpoint/2010/main" val="4135038185"/>
+        <p14:creationId xmlns:p14="http://schemas.microsoft.com/office/powerpoint/2010/main" val="4135038185"/>
       </p:ext>
     </p:extLst>
   </p:cSld>
@@ -10758,7 +10744,7 @@
           <p:cNvPr id="2" name="Picture 2">
             <a:extLst>
               <a:ext uri="{FF2B5EF4-FFF2-40B4-BE49-F238E27FC236}">
-                <a16:creationId xmlns="" xmlns:a16="http://schemas.microsoft.com/office/drawing/2014/main" id="{DA9E0E00-BC0E-3F4E-A55F-8D1F9A89C962}"/>
+                <a16:creationId xmlns:a16="http://schemas.microsoft.com/office/drawing/2014/main" id="{DA9E0E00-BC0E-3F4E-A55F-8D1F9A89C962}"/>
               </a:ext>
             </a:extLst>
           </p:cNvPr>
@@ -10771,7 +10757,7 @@
           <a:blip r:embed="rId2">
             <a:extLst>
               <a:ext uri="{28A0092B-C50C-407E-A947-70E740481C1C}">
-                <a14:useLocalDpi xmlns="" xmlns:a14="http://schemas.microsoft.com/office/drawing/2010/main" val="0"/>
+                <a14:useLocalDpi xmlns:a14="http://schemas.microsoft.com/office/drawing/2010/main" val="0"/>
               </a:ext>
             </a:extLst>
           </a:blip>
@@ -10794,7 +10780,7 @@
           <p:cNvPr id="4" name="TextBox 3">
             <a:extLst>
               <a:ext uri="{FF2B5EF4-FFF2-40B4-BE49-F238E27FC236}">
-                <a16:creationId xmlns="" xmlns:a16="http://schemas.microsoft.com/office/drawing/2014/main" id="{ABB5CD72-B434-444C-9816-A1D01049224F}"/>
+                <a16:creationId xmlns:a16="http://schemas.microsoft.com/office/drawing/2014/main" id="{ABB5CD72-B434-444C-9816-A1D01049224F}"/>
               </a:ext>
             </a:extLst>
           </p:cNvPr>
@@ -10829,7 +10815,7 @@
     </p:spTree>
     <p:extLst>
       <p:ext uri="{BB962C8B-B14F-4D97-AF65-F5344CB8AC3E}">
-        <p14:creationId xmlns="" xmlns:p14="http://schemas.microsoft.com/office/powerpoint/2010/main" val="3726394842"/>
+        <p14:creationId xmlns:p14="http://schemas.microsoft.com/office/powerpoint/2010/main" val="3726394842"/>
       </p:ext>
     </p:extLst>
   </p:cSld>
@@ -10861,7 +10847,7 @@
           <p:cNvPr id="4" name="TextBox 3">
             <a:extLst>
               <a:ext uri="{FF2B5EF4-FFF2-40B4-BE49-F238E27FC236}">
-                <a16:creationId xmlns="" xmlns:a16="http://schemas.microsoft.com/office/drawing/2014/main" id="{7680744B-C3A7-7748-9772-BBCC0DF6CADA}"/>
+                <a16:creationId xmlns:a16="http://schemas.microsoft.com/office/drawing/2014/main" id="{7680744B-C3A7-7748-9772-BBCC0DF6CADA}"/>
               </a:ext>
             </a:extLst>
           </p:cNvPr>
@@ -10898,7 +10884,7 @@
           <p:cNvPr id="5" name="Picture 5">
             <a:extLst>
               <a:ext uri="{FF2B5EF4-FFF2-40B4-BE49-F238E27FC236}">
-                <a16:creationId xmlns="" xmlns:a16="http://schemas.microsoft.com/office/drawing/2014/main" id="{6C35F415-D6AF-1845-A755-E08C6D1EDAAD}"/>
+                <a16:creationId xmlns:a16="http://schemas.microsoft.com/office/drawing/2014/main" id="{6C35F415-D6AF-1845-A755-E08C6D1EDAAD}"/>
               </a:ext>
             </a:extLst>
           </p:cNvPr>
@@ -10911,7 +10897,7 @@
           <a:blip r:embed="rId2">
             <a:extLst>
               <a:ext uri="{28A0092B-C50C-407E-A947-70E740481C1C}">
-                <a14:useLocalDpi xmlns="" xmlns:a14="http://schemas.microsoft.com/office/drawing/2010/main" val="0"/>
+                <a14:useLocalDpi xmlns:a14="http://schemas.microsoft.com/office/drawing/2010/main" val="0"/>
               </a:ext>
             </a:extLst>
           </a:blip>
@@ -10932,7 +10918,7 @@
     </p:spTree>
     <p:extLst>
       <p:ext uri="{BB962C8B-B14F-4D97-AF65-F5344CB8AC3E}">
-        <p14:creationId xmlns="" xmlns:p14="http://schemas.microsoft.com/office/powerpoint/2010/main" val="491123737"/>
+        <p14:creationId xmlns:p14="http://schemas.microsoft.com/office/powerpoint/2010/main" val="491123737"/>
       </p:ext>
     </p:extLst>
   </p:cSld>
@@ -10964,7 +10950,7 @@
           <p:cNvPr id="4" name="TextBox 3">
             <a:extLst>
               <a:ext uri="{FF2B5EF4-FFF2-40B4-BE49-F238E27FC236}">
-                <a16:creationId xmlns="" xmlns:a16="http://schemas.microsoft.com/office/drawing/2014/main" id="{AE715490-EC36-874A-8894-5C2E36FAE1D6}"/>
+                <a16:creationId xmlns:a16="http://schemas.microsoft.com/office/drawing/2014/main" id="{AE715490-EC36-874A-8894-5C2E36FAE1D6}"/>
               </a:ext>
             </a:extLst>
           </p:cNvPr>
@@ -11001,7 +10987,7 @@
           <p:cNvPr id="5" name="Picture 5">
             <a:extLst>
               <a:ext uri="{FF2B5EF4-FFF2-40B4-BE49-F238E27FC236}">
-                <a16:creationId xmlns="" xmlns:a16="http://schemas.microsoft.com/office/drawing/2014/main" id="{338DB4E5-18A6-8942-B566-ABACB68B22F0}"/>
+                <a16:creationId xmlns:a16="http://schemas.microsoft.com/office/drawing/2014/main" id="{338DB4E5-18A6-8942-B566-ABACB68B22F0}"/>
               </a:ext>
             </a:extLst>
           </p:cNvPr>
@@ -11014,7 +11000,7 @@
           <a:blip r:embed="rId2">
             <a:extLst>
               <a:ext uri="{28A0092B-C50C-407E-A947-70E740481C1C}">
-                <a14:useLocalDpi xmlns="" xmlns:a14="http://schemas.microsoft.com/office/drawing/2010/main" val="0"/>
+                <a14:useLocalDpi xmlns:a14="http://schemas.microsoft.com/office/drawing/2010/main" val="0"/>
               </a:ext>
             </a:extLst>
           </a:blip>
@@ -11035,7 +11021,7 @@
     </p:spTree>
     <p:extLst>
       <p:ext uri="{BB962C8B-B14F-4D97-AF65-F5344CB8AC3E}">
-        <p14:creationId xmlns="" xmlns:p14="http://schemas.microsoft.com/office/powerpoint/2010/main" val="1585523309"/>
+        <p14:creationId xmlns:p14="http://schemas.microsoft.com/office/powerpoint/2010/main" val="1585523309"/>
       </p:ext>
     </p:extLst>
   </p:cSld>
@@ -11621,7 +11607,7 @@
   <a:extraClrSchemeLst/>
   <a:extLst>
     <a:ext uri="{05A4C25C-085E-4340-85A3-A5531E510DB2}">
-      <thm15:themeFamily xmlns="" xmlns:thm15="http://schemas.microsoft.com/office/thememl/2012/main" name="Office Theme" id="{62F939B6-93AF-4DB8-9C6B-D6C7DFDC589F}" vid="{4A3C46E8-61CC-4603-A589-7422A47A8E4A}"/>
+      <thm15:themeFamily xmlns:thm15="http://schemas.microsoft.com/office/thememl/2012/main" name="Office Theme" id="{62F939B6-93AF-4DB8-9C6B-D6C7DFDC589F}" vid="{4A3C46E8-61CC-4603-A589-7422A47A8E4A}"/>
     </a:ext>
   </a:extLst>
 </a:theme>
